--- a/Document/Librator.pptx
+++ b/Document/Librator.pptx
@@ -12184,7 +12184,7 @@
           <a:p>
             <a:fld id="{B55D29DC-5CFD-5C40-8399-0CA08882BC4A}" type="datetimeFigureOut">
               <a:rPr lang="en-US" smtClean="0"/>
-              <a:t>12/6/19</a:t>
+              <a:t>1/2/20</a:t>
             </a:fld>
             <a:endParaRPr lang="en-US"/>
           </a:p>
@@ -12598,7 +12598,7 @@
           <a:p>
             <a:fld id="{F02628E0-3F55-E64B-866B-185FD039DD29}" type="datetimeFigureOut">
               <a:rPr lang="en-US" smtClean="0"/>
-              <a:t>12/6/19</a:t>
+              <a:t>1/2/20</a:t>
             </a:fld>
             <a:endParaRPr lang="en-US"/>
           </a:p>
@@ -12796,7 +12796,7 @@
           <a:p>
             <a:fld id="{F02628E0-3F55-E64B-866B-185FD039DD29}" type="datetimeFigureOut">
               <a:rPr lang="en-US" smtClean="0"/>
-              <a:t>12/6/19</a:t>
+              <a:t>1/2/20</a:t>
             </a:fld>
             <a:endParaRPr lang="en-US"/>
           </a:p>
@@ -13004,7 +13004,7 @@
           <a:p>
             <a:fld id="{F02628E0-3F55-E64B-866B-185FD039DD29}" type="datetimeFigureOut">
               <a:rPr lang="en-US" smtClean="0"/>
-              <a:t>12/6/19</a:t>
+              <a:t>1/2/20</a:t>
             </a:fld>
             <a:endParaRPr lang="en-US"/>
           </a:p>
@@ -13202,7 +13202,7 @@
           <a:p>
             <a:fld id="{F02628E0-3F55-E64B-866B-185FD039DD29}" type="datetimeFigureOut">
               <a:rPr lang="en-US" smtClean="0"/>
-              <a:t>12/6/19</a:t>
+              <a:t>1/2/20</a:t>
             </a:fld>
             <a:endParaRPr lang="en-US"/>
           </a:p>
@@ -13477,7 +13477,7 @@
           <a:p>
             <a:fld id="{F02628E0-3F55-E64B-866B-185FD039DD29}" type="datetimeFigureOut">
               <a:rPr lang="en-US" smtClean="0"/>
-              <a:t>12/6/19</a:t>
+              <a:t>1/2/20</a:t>
             </a:fld>
             <a:endParaRPr lang="en-US"/>
           </a:p>
@@ -13742,7 +13742,7 @@
           <a:p>
             <a:fld id="{F02628E0-3F55-E64B-866B-185FD039DD29}" type="datetimeFigureOut">
               <a:rPr lang="en-US" smtClean="0"/>
-              <a:t>12/6/19</a:t>
+              <a:t>1/2/20</a:t>
             </a:fld>
             <a:endParaRPr lang="en-US"/>
           </a:p>
@@ -14154,7 +14154,7 @@
           <a:p>
             <a:fld id="{F02628E0-3F55-E64B-866B-185FD039DD29}" type="datetimeFigureOut">
               <a:rPr lang="en-US" smtClean="0"/>
-              <a:t>12/6/19</a:t>
+              <a:t>1/2/20</a:t>
             </a:fld>
             <a:endParaRPr lang="en-US"/>
           </a:p>
@@ -14295,7 +14295,7 @@
           <a:p>
             <a:fld id="{F02628E0-3F55-E64B-866B-185FD039DD29}" type="datetimeFigureOut">
               <a:rPr lang="en-US" smtClean="0"/>
-              <a:t>12/6/19</a:t>
+              <a:t>1/2/20</a:t>
             </a:fld>
             <a:endParaRPr lang="en-US"/>
           </a:p>
@@ -14408,7 +14408,7 @@
           <a:p>
             <a:fld id="{F02628E0-3F55-E64B-866B-185FD039DD29}" type="datetimeFigureOut">
               <a:rPr lang="en-US" smtClean="0"/>
-              <a:t>12/6/19</a:t>
+              <a:t>1/2/20</a:t>
             </a:fld>
             <a:endParaRPr lang="en-US"/>
           </a:p>
@@ -14719,7 +14719,7 @@
           <a:p>
             <a:fld id="{F02628E0-3F55-E64B-866B-185FD039DD29}" type="datetimeFigureOut">
               <a:rPr lang="en-US" smtClean="0"/>
-              <a:t>12/6/19</a:t>
+              <a:t>1/2/20</a:t>
             </a:fld>
             <a:endParaRPr lang="en-US"/>
           </a:p>
@@ -15007,7 +15007,7 @@
           <a:p>
             <a:fld id="{F02628E0-3F55-E64B-866B-185FD039DD29}" type="datetimeFigureOut">
               <a:rPr lang="en-US" smtClean="0"/>
-              <a:t>12/6/19</a:t>
+              <a:t>1/2/20</a:t>
             </a:fld>
             <a:endParaRPr lang="en-US"/>
           </a:p>
@@ -15248,7 +15248,7 @@
           <a:p>
             <a:fld id="{F02628E0-3F55-E64B-866B-185FD039DD29}" type="datetimeFigureOut">
               <a:rPr lang="en-US" smtClean="0"/>
-              <a:t>12/6/19</a:t>
+              <a:t>1/2/20</a:t>
             </a:fld>
             <a:endParaRPr lang="en-US"/>
           </a:p>
@@ -30488,7 +30488,7 @@
         </p:nvSpPr>
         <p:spPr>
           <a:xfrm rot="16200000">
-            <a:off x="2792267" y="2364453"/>
+            <a:off x="2785961" y="2364453"/>
             <a:ext cx="111149" cy="155122"/>
           </a:xfrm>
           <a:prstGeom prst="rect">

--- a/Document/Librator.pptx
+++ b/Document/Librator.pptx
@@ -12184,7 +12184,7 @@
           <a:p>
             <a:fld id="{B55D29DC-5CFD-5C40-8399-0CA08882BC4A}" type="datetimeFigureOut">
               <a:rPr lang="en-US" smtClean="0"/>
-              <a:t>1/2/20</a:t>
+              <a:t>1/13/20</a:t>
             </a:fld>
             <a:endParaRPr lang="en-US"/>
           </a:p>
@@ -12598,7 +12598,7 @@
           <a:p>
             <a:fld id="{F02628E0-3F55-E64B-866B-185FD039DD29}" type="datetimeFigureOut">
               <a:rPr lang="en-US" smtClean="0"/>
-              <a:t>1/2/20</a:t>
+              <a:t>1/13/20</a:t>
             </a:fld>
             <a:endParaRPr lang="en-US"/>
           </a:p>
@@ -12796,7 +12796,7 @@
           <a:p>
             <a:fld id="{F02628E0-3F55-E64B-866B-185FD039DD29}" type="datetimeFigureOut">
               <a:rPr lang="en-US" smtClean="0"/>
-              <a:t>1/2/20</a:t>
+              <a:t>1/13/20</a:t>
             </a:fld>
             <a:endParaRPr lang="en-US"/>
           </a:p>
@@ -13004,7 +13004,7 @@
           <a:p>
             <a:fld id="{F02628E0-3F55-E64B-866B-185FD039DD29}" type="datetimeFigureOut">
               <a:rPr lang="en-US" smtClean="0"/>
-              <a:t>1/2/20</a:t>
+              <a:t>1/13/20</a:t>
             </a:fld>
             <a:endParaRPr lang="en-US"/>
           </a:p>
@@ -13202,7 +13202,7 @@
           <a:p>
             <a:fld id="{F02628E0-3F55-E64B-866B-185FD039DD29}" type="datetimeFigureOut">
               <a:rPr lang="en-US" smtClean="0"/>
-              <a:t>1/2/20</a:t>
+              <a:t>1/13/20</a:t>
             </a:fld>
             <a:endParaRPr lang="en-US"/>
           </a:p>
@@ -13477,7 +13477,7 @@
           <a:p>
             <a:fld id="{F02628E0-3F55-E64B-866B-185FD039DD29}" type="datetimeFigureOut">
               <a:rPr lang="en-US" smtClean="0"/>
-              <a:t>1/2/20</a:t>
+              <a:t>1/13/20</a:t>
             </a:fld>
             <a:endParaRPr lang="en-US"/>
           </a:p>
@@ -13742,7 +13742,7 @@
           <a:p>
             <a:fld id="{F02628E0-3F55-E64B-866B-185FD039DD29}" type="datetimeFigureOut">
               <a:rPr lang="en-US" smtClean="0"/>
-              <a:t>1/2/20</a:t>
+              <a:t>1/13/20</a:t>
             </a:fld>
             <a:endParaRPr lang="en-US"/>
           </a:p>
@@ -14154,7 +14154,7 @@
           <a:p>
             <a:fld id="{F02628E0-3F55-E64B-866B-185FD039DD29}" type="datetimeFigureOut">
               <a:rPr lang="en-US" smtClean="0"/>
-              <a:t>1/2/20</a:t>
+              <a:t>1/13/20</a:t>
             </a:fld>
             <a:endParaRPr lang="en-US"/>
           </a:p>
@@ -14295,7 +14295,7 @@
           <a:p>
             <a:fld id="{F02628E0-3F55-E64B-866B-185FD039DD29}" type="datetimeFigureOut">
               <a:rPr lang="en-US" smtClean="0"/>
-              <a:t>1/2/20</a:t>
+              <a:t>1/13/20</a:t>
             </a:fld>
             <a:endParaRPr lang="en-US"/>
           </a:p>
@@ -14408,7 +14408,7 @@
           <a:p>
             <a:fld id="{F02628E0-3F55-E64B-866B-185FD039DD29}" type="datetimeFigureOut">
               <a:rPr lang="en-US" smtClean="0"/>
-              <a:t>1/2/20</a:t>
+              <a:t>1/13/20</a:t>
             </a:fld>
             <a:endParaRPr lang="en-US"/>
           </a:p>
@@ -14719,7 +14719,7 @@
           <a:p>
             <a:fld id="{F02628E0-3F55-E64B-866B-185FD039DD29}" type="datetimeFigureOut">
               <a:rPr lang="en-US" smtClean="0"/>
-              <a:t>1/2/20</a:t>
+              <a:t>1/13/20</a:t>
             </a:fld>
             <a:endParaRPr lang="en-US"/>
           </a:p>
@@ -15007,7 +15007,7 @@
           <a:p>
             <a:fld id="{F02628E0-3F55-E64B-866B-185FD039DD29}" type="datetimeFigureOut">
               <a:rPr lang="en-US" smtClean="0"/>
-              <a:t>1/2/20</a:t>
+              <a:t>1/13/20</a:t>
             </a:fld>
             <a:endParaRPr lang="en-US"/>
           </a:p>
@@ -15248,7 +15248,7 @@
           <a:p>
             <a:fld id="{F02628E0-3F55-E64B-866B-185FD039DD29}" type="datetimeFigureOut">
               <a:rPr lang="en-US" smtClean="0"/>
-              <a:t>1/2/20</a:t>
+              <a:t>1/13/20</a:t>
             </a:fld>
             <a:endParaRPr lang="en-US"/>
           </a:p>
@@ -25259,10 +25259,10 @@
       </p:sp>
       <p:pic>
         <p:nvPicPr>
-          <p:cNvPr id="5" name="Picture 4">
-            <a:extLst>
-              <a:ext uri="{FF2B5EF4-FFF2-40B4-BE49-F238E27FC236}">
-                <a16:creationId xmlns:a16="http://schemas.microsoft.com/office/drawing/2014/main" id="{EF1637C3-CE9D-3446-B8A5-4E961334BE21}"/>
+          <p:cNvPr id="6" name="Picture 5">
+            <a:extLst>
+              <a:ext uri="{FF2B5EF4-FFF2-40B4-BE49-F238E27FC236}">
+                <a16:creationId xmlns:a16="http://schemas.microsoft.com/office/drawing/2014/main" id="{3AF9D55F-A895-6549-A66E-6906802E1E3F}"/>
               </a:ext>
             </a:extLst>
           </p:cNvPr>
@@ -25279,8 +25279,8 @@
         </p:blipFill>
         <p:spPr>
           <a:xfrm>
-            <a:off x="4615089" y="2353015"/>
-            <a:ext cx="2961822" cy="2961822"/>
+            <a:off x="4444102" y="2511052"/>
+            <a:ext cx="3303795" cy="3303795"/>
           </a:xfrm>
           <a:prstGeom prst="rect">
             <a:avLst/>
@@ -28570,8 +28570,8 @@
           </a:p>
         </p:txBody>
       </p:sp>
-      <mc:AlternateContent xmlns:mc="http://schemas.openxmlformats.org/markup-compatibility/2006" xmlns:a14="http://schemas.microsoft.com/office/drawing/2010/main">
-        <mc:Choice Requires="a14">
+      <mc:AlternateContent xmlns:mc="http://schemas.openxmlformats.org/markup-compatibility/2006">
+        <mc:Choice xmlns:a14="http://schemas.microsoft.com/office/drawing/2010/main" Requires="a14">
           <p:sp>
             <p:nvSpPr>
               <p:cNvPr id="3" name="Content Placeholder 2">
@@ -28648,7 +28648,7 @@
                             <a:latin typeface="Cambria Math" panose="02040503050406030204" pitchFamily="18" charset="0"/>
                             <a:cs typeface="Times New Roman" panose="02020603050405020304" pitchFamily="18" charset="0"/>
                           </a:rPr>
-                          <m:t>2</m:t>
+                          <m:t>10</m:t>
                         </m:r>
                       </m:sub>
                     </m:sSub>
@@ -28973,7 +28973,7 @@
             </p:txBody>
           </p:sp>
         </mc:Choice>
-        <mc:Fallback xmlns="">
+        <mc:Fallback>
           <p:sp>
             <p:nvSpPr>
               <p:cNvPr id="3" name="Content Placeholder 2">
@@ -29017,8 +29017,8 @@
           </p:sp>
         </mc:Fallback>
       </mc:AlternateContent>
-      <mc:AlternateContent xmlns:mc="http://schemas.openxmlformats.org/markup-compatibility/2006" xmlns:a14="http://schemas.microsoft.com/office/drawing/2010/main">
-        <mc:Choice Requires="a14">
+      <mc:AlternateContent xmlns:mc="http://schemas.openxmlformats.org/markup-compatibility/2006">
+        <mc:Choice xmlns:a14="http://schemas.microsoft.com/office/drawing/2010/main" Requires="a14">
           <p:sp>
             <p:nvSpPr>
               <p:cNvPr id="50" name="Rectangle 49">
@@ -29034,7 +29034,7 @@
             <p:spPr>
               <a:xfrm>
                 <a:off x="4193827" y="4031777"/>
-                <a:ext cx="4652556" cy="1052660"/>
+                <a:ext cx="4816190" cy="1052660"/>
               </a:xfrm>
               <a:prstGeom prst="rect">
                 <a:avLst/>
@@ -29073,11 +29073,11 @@
                         </m:e>
                         <m:sub>
                           <m:r>
-                            <a:rPr lang="en-US" sz="3200" i="1">
+                            <a:rPr lang="en-US" sz="3200" b="0" i="1" smtClean="0">
                               <a:latin typeface="Cambria Math" panose="02040503050406030204" pitchFamily="18" charset="0"/>
                               <a:cs typeface="Times New Roman" panose="02020603050405020304" pitchFamily="18" charset="0"/>
                             </a:rPr>
-                            <m:t>2</m:t>
+                            <m:t>10</m:t>
                           </m:r>
                         </m:sub>
                       </m:sSub>
@@ -29225,7 +29225,7 @@
             </p:txBody>
           </p:sp>
         </mc:Choice>
-        <mc:Fallback xmlns="">
+        <mc:Fallback>
           <p:sp>
             <p:nvSpPr>
               <p:cNvPr id="50" name="Rectangle 49">
@@ -29243,7 +29243,7 @@
             <p:spPr>
               <a:xfrm>
                 <a:off x="4193827" y="4031777"/>
-                <a:ext cx="4652556" cy="1052660"/>
+                <a:ext cx="4816190" cy="1052660"/>
               </a:xfrm>
               <a:prstGeom prst="rect">
                 <a:avLst/>
@@ -29251,7 +29251,7 @@
               <a:blipFill>
                 <a:blip r:embed="rId3"/>
                 <a:stretch>
-                  <a:fillRect l="-543" t="-73810" r="-543" b="-67857"/>
+                  <a:fillRect l="-263" t="-73810" r="-526" b="-67857"/>
                 </a:stretch>
               </a:blipFill>
             </p:spPr>
@@ -30264,14 +30264,14 @@
                 <a:latin typeface="Times New Roman" panose="02020603050405020304" pitchFamily="18" charset="0"/>
                 <a:cs typeface="Times New Roman" panose="02020603050405020304" pitchFamily="18" charset="0"/>
               </a:rPr>
-              <a:t>2</a:t>
+              <a:t>10</a:t>
             </a:r>
             <a:r>
               <a:rPr lang="en-US" dirty="0">
                 <a:latin typeface="Times New Roman" panose="02020603050405020304" pitchFamily="18" charset="0"/>
                 <a:cs typeface="Times New Roman" panose="02020603050405020304" pitchFamily="18" charset="0"/>
               </a:rPr>
-              <a:t>(41*16*16*11*11*11/101)*(1-0.4) = 10.24658</a:t>
+              <a:t>(41*16*16*11*11*11/101)*(1-0.4) = 3.084528</a:t>
             </a:r>
             <a:endParaRPr lang="en-US" dirty="0"/>
           </a:p>
@@ -30370,14 +30370,14 @@
                 <a:latin typeface="Times New Roman" panose="02020603050405020304" pitchFamily="18" charset="0"/>
                 <a:cs typeface="Times New Roman" panose="02020603050405020304" pitchFamily="18" charset="0"/>
               </a:rPr>
-              <a:t>2</a:t>
+              <a:t>10</a:t>
             </a:r>
             <a:r>
               <a:rPr lang="en-US" dirty="0">
                 <a:latin typeface="Times New Roman" panose="02020603050405020304" pitchFamily="18" charset="0"/>
                 <a:cs typeface="Times New Roman" panose="02020603050405020304" pitchFamily="18" charset="0"/>
               </a:rPr>
-              <a:t>(41*31*31/101) * (1-0.4) = 5.164637</a:t>
+              <a:t>(41*31*31/101) * (1-0.4) = 1.554712</a:t>
             </a:r>
             <a:endParaRPr lang="en-US" dirty="0"/>
           </a:p>
@@ -30609,14 +30609,14 @@
                 <a:latin typeface="Times New Roman" panose="02020603050405020304" pitchFamily="18" charset="0"/>
                 <a:cs typeface="Times New Roman" panose="02020603050405020304" pitchFamily="18" charset="0"/>
               </a:rPr>
-              <a:t>2</a:t>
+              <a:t>10</a:t>
             </a:r>
             <a:r>
               <a:rPr lang="en-US" dirty="0">
                 <a:latin typeface="Times New Roman" panose="02020603050405020304" pitchFamily="18" charset="0"/>
                 <a:cs typeface="Times New Roman" panose="02020603050405020304" pitchFamily="18" charset="0"/>
               </a:rPr>
-              <a:t>(96*6/101)*(1-0.95) = 0.1255857</a:t>
+              <a:t>(96*6/101)*(1-0.95) = 0.03780506</a:t>
             </a:r>
             <a:endParaRPr lang="en-US" dirty="0"/>
           </a:p>

--- a/Document/Librator.pptx
+++ b/Document/Librator.pptx
@@ -133,30 +133,12 @@
 <pc:chgInfo xmlns:a="http://schemas.openxmlformats.org/drawingml/2006/main" xmlns:r="http://schemas.openxmlformats.org/officeDocument/2006/relationships" xmlns:ac="http://schemas.microsoft.com/office/drawing/2013/main/command" xmlns:pc="http://schemas.microsoft.com/office/powerpoint/2013/main/command">
   <pc:docChgLst>
     <pc:chgData name="Lei Li" userId="S::leil@uchicago.edu::6a72cb10-d67c-4469-a963-3b31f80f7cc3" providerId="AD" clId="Web-{E9A4D163-5C2E-4945-8A05-7CA0AC73D7E0}"/>
-    <pc:docChg chg="modSld">
-      <pc:chgData name="Lei Li" userId="S::leil@uchicago.edu::6a72cb10-d67c-4469-a963-3b31f80f7cc3" providerId="AD" clId="Web-{E9A4D163-5C2E-4945-8A05-7CA0AC73D7E0}" dt="2019-09-20T02:13:49.833" v="161" actId="20577"/>
-      <pc:docMkLst>
-        <pc:docMk/>
-      </pc:docMkLst>
-    </pc:docChg>
   </pc:docChgLst>
   <pc:docChgLst>
     <pc:chgData name="Lei Li" userId="S::leil@uchicago.edu::6a72cb10-d67c-4469-a963-3b31f80f7cc3" providerId="AD" clId="Web-{FE052655-46E8-C193-F081-A098569FF8D1}"/>
-    <pc:docChg chg="modSld">
-      <pc:chgData name="Lei Li" userId="S::leil@uchicago.edu::6a72cb10-d67c-4469-a963-3b31f80f7cc3" providerId="AD" clId="Web-{FE052655-46E8-C193-F081-A098569FF8D1}" dt="2019-09-20T03:23:27.037" v="7" actId="20577"/>
-      <pc:docMkLst>
-        <pc:docMk/>
-      </pc:docMkLst>
-    </pc:docChg>
   </pc:docChgLst>
   <pc:docChgLst>
     <pc:chgData name="Lei Li" userId="S::leil@uchicago.edu::6a72cb10-d67c-4469-a963-3b31f80f7cc3" providerId="AD" clId="Web-{CF16291D-0732-9411-4792-FA401C1BBA48}"/>
-    <pc:docChg chg="modSld">
-      <pc:chgData name="Lei Li" userId="S::leil@uchicago.edu::6a72cb10-d67c-4469-a963-3b31f80f7cc3" providerId="AD" clId="Web-{CF16291D-0732-9411-4792-FA401C1BBA48}" dt="2019-09-20T14:23:13.730" v="35" actId="14100"/>
-      <pc:docMkLst>
-        <pc:docMk/>
-      </pc:docMkLst>
-    </pc:docChg>
   </pc:docChgLst>
 </pc:chgInfo>
 </file>
@@ -12184,7 +12166,7 @@
           <a:p>
             <a:fld id="{B55D29DC-5CFD-5C40-8399-0CA08882BC4A}" type="datetimeFigureOut">
               <a:rPr lang="en-US" smtClean="0"/>
-              <a:t>1/13/20</a:t>
+              <a:t>1/15/20</a:t>
             </a:fld>
             <a:endParaRPr lang="en-US"/>
           </a:p>
@@ -12598,7 +12580,7 @@
           <a:p>
             <a:fld id="{F02628E0-3F55-E64B-866B-185FD039DD29}" type="datetimeFigureOut">
               <a:rPr lang="en-US" smtClean="0"/>
-              <a:t>1/13/20</a:t>
+              <a:t>1/15/20</a:t>
             </a:fld>
             <a:endParaRPr lang="en-US"/>
           </a:p>
@@ -12796,7 +12778,7 @@
           <a:p>
             <a:fld id="{F02628E0-3F55-E64B-866B-185FD039DD29}" type="datetimeFigureOut">
               <a:rPr lang="en-US" smtClean="0"/>
-              <a:t>1/13/20</a:t>
+              <a:t>1/15/20</a:t>
             </a:fld>
             <a:endParaRPr lang="en-US"/>
           </a:p>
@@ -13004,7 +12986,7 @@
           <a:p>
             <a:fld id="{F02628E0-3F55-E64B-866B-185FD039DD29}" type="datetimeFigureOut">
               <a:rPr lang="en-US" smtClean="0"/>
-              <a:t>1/13/20</a:t>
+              <a:t>1/15/20</a:t>
             </a:fld>
             <a:endParaRPr lang="en-US"/>
           </a:p>
@@ -13202,7 +13184,7 @@
           <a:p>
             <a:fld id="{F02628E0-3F55-E64B-866B-185FD039DD29}" type="datetimeFigureOut">
               <a:rPr lang="en-US" smtClean="0"/>
-              <a:t>1/13/20</a:t>
+              <a:t>1/15/20</a:t>
             </a:fld>
             <a:endParaRPr lang="en-US"/>
           </a:p>
@@ -13477,7 +13459,7 @@
           <a:p>
             <a:fld id="{F02628E0-3F55-E64B-866B-185FD039DD29}" type="datetimeFigureOut">
               <a:rPr lang="en-US" smtClean="0"/>
-              <a:t>1/13/20</a:t>
+              <a:t>1/15/20</a:t>
             </a:fld>
             <a:endParaRPr lang="en-US"/>
           </a:p>
@@ -13742,7 +13724,7 @@
           <a:p>
             <a:fld id="{F02628E0-3F55-E64B-866B-185FD039DD29}" type="datetimeFigureOut">
               <a:rPr lang="en-US" smtClean="0"/>
-              <a:t>1/13/20</a:t>
+              <a:t>1/15/20</a:t>
             </a:fld>
             <a:endParaRPr lang="en-US"/>
           </a:p>
@@ -14154,7 +14136,7 @@
           <a:p>
             <a:fld id="{F02628E0-3F55-E64B-866B-185FD039DD29}" type="datetimeFigureOut">
               <a:rPr lang="en-US" smtClean="0"/>
-              <a:t>1/13/20</a:t>
+              <a:t>1/15/20</a:t>
             </a:fld>
             <a:endParaRPr lang="en-US"/>
           </a:p>
@@ -14295,7 +14277,7 @@
           <a:p>
             <a:fld id="{F02628E0-3F55-E64B-866B-185FD039DD29}" type="datetimeFigureOut">
               <a:rPr lang="en-US" smtClean="0"/>
-              <a:t>1/13/20</a:t>
+              <a:t>1/15/20</a:t>
             </a:fld>
             <a:endParaRPr lang="en-US"/>
           </a:p>
@@ -14408,7 +14390,7 @@
           <a:p>
             <a:fld id="{F02628E0-3F55-E64B-866B-185FD039DD29}" type="datetimeFigureOut">
               <a:rPr lang="en-US" smtClean="0"/>
-              <a:t>1/13/20</a:t>
+              <a:t>1/15/20</a:t>
             </a:fld>
             <a:endParaRPr lang="en-US"/>
           </a:p>
@@ -14719,7 +14701,7 @@
           <a:p>
             <a:fld id="{F02628E0-3F55-E64B-866B-185FD039DD29}" type="datetimeFigureOut">
               <a:rPr lang="en-US" smtClean="0"/>
-              <a:t>1/13/20</a:t>
+              <a:t>1/15/20</a:t>
             </a:fld>
             <a:endParaRPr lang="en-US"/>
           </a:p>
@@ -15007,7 +14989,7 @@
           <a:p>
             <a:fld id="{F02628E0-3F55-E64B-866B-185FD039DD29}" type="datetimeFigureOut">
               <a:rPr lang="en-US" smtClean="0"/>
-              <a:t>1/13/20</a:t>
+              <a:t>1/15/20</a:t>
             </a:fld>
             <a:endParaRPr lang="en-US"/>
           </a:p>
@@ -15248,7 +15230,7 @@
           <a:p>
             <a:fld id="{F02628E0-3F55-E64B-866B-185FD039DD29}" type="datetimeFigureOut">
               <a:rPr lang="en-US" smtClean="0"/>
-              <a:t>1/13/20</a:t>
+              <a:t>1/15/20</a:t>
             </a:fld>
             <a:endParaRPr lang="en-US"/>
           </a:p>
@@ -28570,8 +28552,8 @@
           </a:p>
         </p:txBody>
       </p:sp>
-      <mc:AlternateContent xmlns:mc="http://schemas.openxmlformats.org/markup-compatibility/2006">
-        <mc:Choice xmlns:a14="http://schemas.microsoft.com/office/drawing/2010/main" Requires="a14">
+      <mc:AlternateContent xmlns:mc="http://schemas.openxmlformats.org/markup-compatibility/2006" xmlns:a14="http://schemas.microsoft.com/office/drawing/2010/main">
+        <mc:Choice Requires="a14">
           <p:sp>
             <p:nvSpPr>
               <p:cNvPr id="3" name="Content Placeholder 2">
@@ -28973,7 +28955,7 @@
             </p:txBody>
           </p:sp>
         </mc:Choice>
-        <mc:Fallback>
+        <mc:Fallback xmlns="">
           <p:sp>
             <p:nvSpPr>
               <p:cNvPr id="3" name="Content Placeholder 2">
@@ -29017,8 +28999,8 @@
           </p:sp>
         </mc:Fallback>
       </mc:AlternateContent>
-      <mc:AlternateContent xmlns:mc="http://schemas.openxmlformats.org/markup-compatibility/2006">
-        <mc:Choice xmlns:a14="http://schemas.microsoft.com/office/drawing/2010/main" Requires="a14">
+      <mc:AlternateContent xmlns:mc="http://schemas.openxmlformats.org/markup-compatibility/2006" xmlns:a14="http://schemas.microsoft.com/office/drawing/2010/main">
+        <mc:Choice Requires="a14">
           <p:sp>
             <p:nvSpPr>
               <p:cNvPr id="50" name="Rectangle 49">
@@ -29225,7 +29207,7 @@
             </p:txBody>
           </p:sp>
         </mc:Choice>
-        <mc:Fallback>
+        <mc:Fallback xmlns="">
           <p:sp>
             <p:nvSpPr>
               <p:cNvPr id="50" name="Rectangle 49">

--- a/Document/Librator.pptx
+++ b/Document/Librator.pptx
@@ -5,7 +5,7 @@
     <p:sldMasterId id="2147483648" r:id="rId1"/>
   </p:sldMasterIdLst>
   <p:notesMasterIdLst>
-    <p:notesMasterId r:id="rId17"/>
+    <p:notesMasterId r:id="rId18"/>
   </p:notesMasterIdLst>
   <p:sldIdLst>
     <p:sldId id="269" r:id="rId2"/>
@@ -23,6 +23,7 @@
     <p:sldId id="268" r:id="rId14"/>
     <p:sldId id="275" r:id="rId15"/>
     <p:sldId id="276" r:id="rId16"/>
+    <p:sldId id="277" r:id="rId17"/>
   </p:sldIdLst>
   <p:sldSz cx="12192000" cy="6858000"/>
   <p:notesSz cx="6858000" cy="9144000"/>
@@ -12166,7 +12167,7 @@
           <a:p>
             <a:fld id="{B55D29DC-5CFD-5C40-8399-0CA08882BC4A}" type="datetimeFigureOut">
               <a:rPr lang="en-US" smtClean="0"/>
-              <a:t>1/15/20</a:t>
+              <a:t>1/20/20</a:t>
             </a:fld>
             <a:endParaRPr lang="en-US"/>
           </a:p>
@@ -12580,7 +12581,7 @@
           <a:p>
             <a:fld id="{F02628E0-3F55-E64B-866B-185FD039DD29}" type="datetimeFigureOut">
               <a:rPr lang="en-US" smtClean="0"/>
-              <a:t>1/15/20</a:t>
+              <a:t>1/20/20</a:t>
             </a:fld>
             <a:endParaRPr lang="en-US"/>
           </a:p>
@@ -12778,7 +12779,7 @@
           <a:p>
             <a:fld id="{F02628E0-3F55-E64B-866B-185FD039DD29}" type="datetimeFigureOut">
               <a:rPr lang="en-US" smtClean="0"/>
-              <a:t>1/15/20</a:t>
+              <a:t>1/20/20</a:t>
             </a:fld>
             <a:endParaRPr lang="en-US"/>
           </a:p>
@@ -12986,7 +12987,7 @@
           <a:p>
             <a:fld id="{F02628E0-3F55-E64B-866B-185FD039DD29}" type="datetimeFigureOut">
               <a:rPr lang="en-US" smtClean="0"/>
-              <a:t>1/15/20</a:t>
+              <a:t>1/20/20</a:t>
             </a:fld>
             <a:endParaRPr lang="en-US"/>
           </a:p>
@@ -13184,7 +13185,7 @@
           <a:p>
             <a:fld id="{F02628E0-3F55-E64B-866B-185FD039DD29}" type="datetimeFigureOut">
               <a:rPr lang="en-US" smtClean="0"/>
-              <a:t>1/15/20</a:t>
+              <a:t>1/20/20</a:t>
             </a:fld>
             <a:endParaRPr lang="en-US"/>
           </a:p>
@@ -13459,7 +13460,7 @@
           <a:p>
             <a:fld id="{F02628E0-3F55-E64B-866B-185FD039DD29}" type="datetimeFigureOut">
               <a:rPr lang="en-US" smtClean="0"/>
-              <a:t>1/15/20</a:t>
+              <a:t>1/20/20</a:t>
             </a:fld>
             <a:endParaRPr lang="en-US"/>
           </a:p>
@@ -13724,7 +13725,7 @@
           <a:p>
             <a:fld id="{F02628E0-3F55-E64B-866B-185FD039DD29}" type="datetimeFigureOut">
               <a:rPr lang="en-US" smtClean="0"/>
-              <a:t>1/15/20</a:t>
+              <a:t>1/20/20</a:t>
             </a:fld>
             <a:endParaRPr lang="en-US"/>
           </a:p>
@@ -14136,7 +14137,7 @@
           <a:p>
             <a:fld id="{F02628E0-3F55-E64B-866B-185FD039DD29}" type="datetimeFigureOut">
               <a:rPr lang="en-US" smtClean="0"/>
-              <a:t>1/15/20</a:t>
+              <a:t>1/20/20</a:t>
             </a:fld>
             <a:endParaRPr lang="en-US"/>
           </a:p>
@@ -14277,7 +14278,7 @@
           <a:p>
             <a:fld id="{F02628E0-3F55-E64B-866B-185FD039DD29}" type="datetimeFigureOut">
               <a:rPr lang="en-US" smtClean="0"/>
-              <a:t>1/15/20</a:t>
+              <a:t>1/20/20</a:t>
             </a:fld>
             <a:endParaRPr lang="en-US"/>
           </a:p>
@@ -14390,7 +14391,7 @@
           <a:p>
             <a:fld id="{F02628E0-3F55-E64B-866B-185FD039DD29}" type="datetimeFigureOut">
               <a:rPr lang="en-US" smtClean="0"/>
-              <a:t>1/15/20</a:t>
+              <a:t>1/20/20</a:t>
             </a:fld>
             <a:endParaRPr lang="en-US"/>
           </a:p>
@@ -14701,7 +14702,7 @@
           <a:p>
             <a:fld id="{F02628E0-3F55-E64B-866B-185FD039DD29}" type="datetimeFigureOut">
               <a:rPr lang="en-US" smtClean="0"/>
-              <a:t>1/15/20</a:t>
+              <a:t>1/20/20</a:t>
             </a:fld>
             <a:endParaRPr lang="en-US"/>
           </a:p>
@@ -14989,7 +14990,7 @@
           <a:p>
             <a:fld id="{F02628E0-3F55-E64B-866B-185FD039DD29}" type="datetimeFigureOut">
               <a:rPr lang="en-US" smtClean="0"/>
-              <a:t>1/15/20</a:t>
+              <a:t>1/20/20</a:t>
             </a:fld>
             <a:endParaRPr lang="en-US"/>
           </a:p>
@@ -15230,7 +15231,7 @@
           <a:p>
             <a:fld id="{F02628E0-3F55-E64B-866B-185FD039DD29}" type="datetimeFigureOut">
               <a:rPr lang="en-US" smtClean="0"/>
-              <a:t>1/15/20</a:t>
+              <a:t>1/20/20</a:t>
             </a:fld>
             <a:endParaRPr lang="en-US"/>
           </a:p>
@@ -23913,12 +23914,12 @@
                     <a:p>
                       <a:pPr algn="l" fontAlgn="b"/>
                       <a:r>
-                        <a:rPr lang="en-US" sz="1200" u="none" strike="noStrike">
+                        <a:rPr lang="en-US" sz="1200" u="none" strike="noStrike" dirty="0">
                           <a:effectLst/>
                         </a:rPr>
                         <a:t>H3-F1-0001</a:t>
                       </a:r>
-                      <a:endParaRPr lang="en-US" sz="1200" b="0" i="0" u="none" strike="noStrike">
+                      <a:endParaRPr lang="en-US" sz="1200" b="0" i="0" u="none" strike="noStrike" dirty="0">
                         <a:solidFill>
                           <a:srgbClr val="000000"/>
                         </a:solidFill>
@@ -24121,12 +24122,12 @@
                     <a:p>
                       <a:pPr algn="l" fontAlgn="b"/>
                       <a:r>
-                        <a:rPr lang="en-US" sz="1200" u="none" strike="noStrike">
+                        <a:rPr lang="en-US" sz="1200" u="none" strike="noStrike" dirty="0">
                           <a:effectLst/>
                         </a:rPr>
                         <a:t>H3-F2-0001</a:t>
                       </a:r>
-                      <a:endParaRPr lang="en-US" sz="1200" b="0" i="0" u="none" strike="noStrike">
+                      <a:endParaRPr lang="en-US" sz="1200" b="0" i="0" u="none" strike="noStrike" dirty="0">
                         <a:solidFill>
                           <a:srgbClr val="000000"/>
                         </a:solidFill>
@@ -25404,6 +25405,720 @@
 </p:sld>
 </file>
 
+<file path=ppt/slides/slide16.xml><?xml version="1.0" encoding="utf-8"?>
+<p:sld xmlns:a="http://schemas.openxmlformats.org/drawingml/2006/main" xmlns:r="http://schemas.openxmlformats.org/officeDocument/2006/relationships" xmlns:p="http://schemas.openxmlformats.org/presentationml/2006/main">
+  <p:cSld>
+    <p:spTree>
+      <p:nvGrpSpPr>
+        <p:cNvPr id="1" name=""/>
+        <p:cNvGrpSpPr/>
+        <p:nvPr/>
+      </p:nvGrpSpPr>
+      <p:grpSpPr>
+        <a:xfrm>
+          <a:off x="0" y="0"/>
+          <a:ext cx="0" cy="0"/>
+          <a:chOff x="0" y="0"/>
+          <a:chExt cx="0" cy="0"/>
+        </a:xfrm>
+      </p:grpSpPr>
+      <p:sp>
+        <p:nvSpPr>
+          <p:cNvPr id="4" name="Smiley Face 3">
+            <a:extLst>
+              <a:ext uri="{FF2B5EF4-FFF2-40B4-BE49-F238E27FC236}">
+                <a16:creationId xmlns:a16="http://schemas.microsoft.com/office/drawing/2014/main" id="{6EFFDCF3-956C-BF46-8723-19A2AD32AFBA}"/>
+              </a:ext>
+            </a:extLst>
+          </p:cNvPr>
+          <p:cNvSpPr/>
+          <p:nvPr/>
+        </p:nvSpPr>
+        <p:spPr>
+          <a:xfrm>
+            <a:off x="1575240" y="2660804"/>
+            <a:ext cx="558980" cy="561253"/>
+          </a:xfrm>
+          <a:prstGeom prst="smileyFace">
+            <a:avLst/>
+          </a:prstGeom>
+        </p:spPr>
+        <p:style>
+          <a:lnRef idx="2">
+            <a:schemeClr val="accent1">
+              <a:shade val="50000"/>
+            </a:schemeClr>
+          </a:lnRef>
+          <a:fillRef idx="1">
+            <a:schemeClr val="accent1"/>
+          </a:fillRef>
+          <a:effectRef idx="0">
+            <a:schemeClr val="accent1"/>
+          </a:effectRef>
+          <a:fontRef idx="minor">
+            <a:schemeClr val="lt1"/>
+          </a:fontRef>
+        </p:style>
+        <p:txBody>
+          <a:bodyPr rtlCol="0" anchor="ctr"/>
+          <a:lstStyle/>
+          <a:p>
+            <a:pPr algn="ctr"/>
+            <a:endParaRPr lang="en-US"/>
+          </a:p>
+        </p:txBody>
+      </p:sp>
+      <p:sp>
+        <p:nvSpPr>
+          <p:cNvPr id="5" name="Rectangle 4">
+            <a:extLst>
+              <a:ext uri="{FF2B5EF4-FFF2-40B4-BE49-F238E27FC236}">
+                <a16:creationId xmlns:a16="http://schemas.microsoft.com/office/drawing/2014/main" id="{DEA5E109-927B-294E-969F-BC1C45EE987A}"/>
+              </a:ext>
+            </a:extLst>
+          </p:cNvPr>
+          <p:cNvSpPr/>
+          <p:nvPr/>
+        </p:nvSpPr>
+        <p:spPr>
+          <a:xfrm>
+            <a:off x="2610770" y="1374752"/>
+            <a:ext cx="636928" cy="3323371"/>
+          </a:xfrm>
+          <a:prstGeom prst="rect">
+            <a:avLst/>
+          </a:prstGeom>
+          <a:noFill/>
+        </p:spPr>
+        <p:style>
+          <a:lnRef idx="2">
+            <a:schemeClr val="accent1">
+              <a:shade val="50000"/>
+            </a:schemeClr>
+          </a:lnRef>
+          <a:fillRef idx="1">
+            <a:schemeClr val="accent1"/>
+          </a:fillRef>
+          <a:effectRef idx="0">
+            <a:schemeClr val="accent1"/>
+          </a:effectRef>
+          <a:fontRef idx="minor">
+            <a:schemeClr val="lt1"/>
+          </a:fontRef>
+        </p:style>
+        <p:txBody>
+          <a:bodyPr rtlCol="0" anchor="ctr"/>
+          <a:lstStyle/>
+          <a:p>
+            <a:pPr algn="ctr"/>
+            <a:endParaRPr lang="en-US"/>
+          </a:p>
+        </p:txBody>
+      </p:sp>
+      <p:sp>
+        <p:nvSpPr>
+          <p:cNvPr id="6" name="Rectangle 5">
+            <a:extLst>
+              <a:ext uri="{FF2B5EF4-FFF2-40B4-BE49-F238E27FC236}">
+                <a16:creationId xmlns:a16="http://schemas.microsoft.com/office/drawing/2014/main" id="{6ED0DB51-7792-3744-A84C-DD3E4D196AA9}"/>
+              </a:ext>
+            </a:extLst>
+          </p:cNvPr>
+          <p:cNvSpPr/>
+          <p:nvPr/>
+        </p:nvSpPr>
+        <p:spPr>
+          <a:xfrm>
+            <a:off x="3437933" y="1374752"/>
+            <a:ext cx="2969173" cy="3323371"/>
+          </a:xfrm>
+          <a:prstGeom prst="rect">
+            <a:avLst/>
+          </a:prstGeom>
+          <a:noFill/>
+        </p:spPr>
+        <p:style>
+          <a:lnRef idx="2">
+            <a:schemeClr val="accent1">
+              <a:shade val="50000"/>
+            </a:schemeClr>
+          </a:lnRef>
+          <a:fillRef idx="1">
+            <a:schemeClr val="accent1"/>
+          </a:fillRef>
+          <a:effectRef idx="0">
+            <a:schemeClr val="accent1"/>
+          </a:effectRef>
+          <a:fontRef idx="minor">
+            <a:schemeClr val="lt1"/>
+          </a:fontRef>
+        </p:style>
+        <p:txBody>
+          <a:bodyPr rtlCol="0" anchor="ctr"/>
+          <a:lstStyle/>
+          <a:p>
+            <a:pPr algn="ctr"/>
+            <a:endParaRPr lang="en-US"/>
+          </a:p>
+        </p:txBody>
+      </p:sp>
+      <p:sp>
+        <p:nvSpPr>
+          <p:cNvPr id="8" name="Can 7">
+            <a:extLst>
+              <a:ext uri="{FF2B5EF4-FFF2-40B4-BE49-F238E27FC236}">
+                <a16:creationId xmlns:a16="http://schemas.microsoft.com/office/drawing/2014/main" id="{4F204549-FBFC-604C-9A08-3A4C353CE818}"/>
+              </a:ext>
+            </a:extLst>
+          </p:cNvPr>
+          <p:cNvSpPr/>
+          <p:nvPr/>
+        </p:nvSpPr>
+        <p:spPr>
+          <a:xfrm>
+            <a:off x="3889353" y="516690"/>
+            <a:ext cx="2066332" cy="529721"/>
+          </a:xfrm>
+          <a:prstGeom prst="can">
+            <a:avLst/>
+          </a:prstGeom>
+        </p:spPr>
+        <p:style>
+          <a:lnRef idx="2">
+            <a:schemeClr val="accent1">
+              <a:shade val="50000"/>
+            </a:schemeClr>
+          </a:lnRef>
+          <a:fillRef idx="1">
+            <a:schemeClr val="accent1"/>
+          </a:fillRef>
+          <a:effectRef idx="0">
+            <a:schemeClr val="accent1"/>
+          </a:effectRef>
+          <a:fontRef idx="minor">
+            <a:schemeClr val="lt1"/>
+          </a:fontRef>
+        </p:style>
+        <p:txBody>
+          <a:bodyPr rtlCol="0" anchor="ctr"/>
+          <a:lstStyle/>
+          <a:p>
+            <a:pPr algn="ctr"/>
+            <a:r>
+              <a:rPr lang="en-US" dirty="0"/>
+              <a:t>Sequence DB</a:t>
+            </a:r>
+          </a:p>
+        </p:txBody>
+      </p:sp>
+      <p:sp>
+        <p:nvSpPr>
+          <p:cNvPr id="9" name="Can 8">
+            <a:extLst>
+              <a:ext uri="{FF2B5EF4-FFF2-40B4-BE49-F238E27FC236}">
+                <a16:creationId xmlns:a16="http://schemas.microsoft.com/office/drawing/2014/main" id="{7EDA97F2-1AAE-0946-8793-F7A5EC3AC7C5}"/>
+              </a:ext>
+            </a:extLst>
+          </p:cNvPr>
+          <p:cNvSpPr/>
+          <p:nvPr/>
+        </p:nvSpPr>
+        <p:spPr>
+          <a:xfrm>
+            <a:off x="3889353" y="5024156"/>
+            <a:ext cx="2066332" cy="529721"/>
+          </a:xfrm>
+          <a:prstGeom prst="can">
+            <a:avLst/>
+          </a:prstGeom>
+        </p:spPr>
+        <p:style>
+          <a:lnRef idx="2">
+            <a:schemeClr val="accent1">
+              <a:shade val="50000"/>
+            </a:schemeClr>
+          </a:lnRef>
+          <a:fillRef idx="1">
+            <a:schemeClr val="accent1"/>
+          </a:fillRef>
+          <a:effectRef idx="0">
+            <a:schemeClr val="accent1"/>
+          </a:effectRef>
+          <a:fontRef idx="minor">
+            <a:schemeClr val="lt1"/>
+          </a:fontRef>
+        </p:style>
+        <p:txBody>
+          <a:bodyPr rtlCol="0" anchor="ctr"/>
+          <a:lstStyle/>
+          <a:p>
+            <a:pPr algn="ctr"/>
+            <a:r>
+              <a:rPr lang="en-US" dirty="0"/>
+              <a:t>Fragment DB</a:t>
+            </a:r>
+          </a:p>
+        </p:txBody>
+      </p:sp>
+      <p:sp>
+        <p:nvSpPr>
+          <p:cNvPr id="10" name="TextBox 9">
+            <a:extLst>
+              <a:ext uri="{FF2B5EF4-FFF2-40B4-BE49-F238E27FC236}">
+                <a16:creationId xmlns:a16="http://schemas.microsoft.com/office/drawing/2014/main" id="{5678089E-7010-4E43-8BAE-FFC136E03F12}"/>
+              </a:ext>
+            </a:extLst>
+          </p:cNvPr>
+          <p:cNvSpPr txBox="1"/>
+          <p:nvPr/>
+        </p:nvSpPr>
+        <p:spPr>
+          <a:xfrm>
+            <a:off x="3437933" y="1374752"/>
+            <a:ext cx="1779654" cy="369332"/>
+          </a:xfrm>
+          <a:prstGeom prst="rect">
+            <a:avLst/>
+          </a:prstGeom>
+          <a:noFill/>
+        </p:spPr>
+        <p:txBody>
+          <a:bodyPr wrap="none" rtlCol="0">
+            <a:spAutoFit/>
+          </a:bodyPr>
+          <a:lstStyle/>
+          <a:p>
+            <a:r>
+              <a:rPr lang="en-US" dirty="0"/>
+              <a:t>Import sequence</a:t>
+            </a:r>
+          </a:p>
+        </p:txBody>
+      </p:sp>
+      <p:sp>
+        <p:nvSpPr>
+          <p:cNvPr id="11" name="TextBox 10">
+            <a:extLst>
+              <a:ext uri="{FF2B5EF4-FFF2-40B4-BE49-F238E27FC236}">
+                <a16:creationId xmlns:a16="http://schemas.microsoft.com/office/drawing/2014/main" id="{52F6DB02-ADE8-524F-9E4F-FF02B6ACEFEB}"/>
+              </a:ext>
+            </a:extLst>
+          </p:cNvPr>
+          <p:cNvSpPr txBox="1"/>
+          <p:nvPr/>
+        </p:nvSpPr>
+        <p:spPr>
+          <a:xfrm>
+            <a:off x="3437933" y="1665889"/>
+            <a:ext cx="1779654" cy="369332"/>
+          </a:xfrm>
+          <a:prstGeom prst="rect">
+            <a:avLst/>
+          </a:prstGeom>
+          <a:noFill/>
+        </p:spPr>
+        <p:txBody>
+          <a:bodyPr wrap="none" rtlCol="0">
+            <a:spAutoFit/>
+          </a:bodyPr>
+          <a:lstStyle/>
+          <a:p>
+            <a:r>
+              <a:rPr lang="en-US" dirty="0"/>
+              <a:t>Import sequence</a:t>
+            </a:r>
+          </a:p>
+        </p:txBody>
+      </p:sp>
+      <p:sp>
+        <p:nvSpPr>
+          <p:cNvPr id="12" name="TextBox 11">
+            <a:extLst>
+              <a:ext uri="{FF2B5EF4-FFF2-40B4-BE49-F238E27FC236}">
+                <a16:creationId xmlns:a16="http://schemas.microsoft.com/office/drawing/2014/main" id="{72FC016D-65D7-C247-9492-A36A22932C19}"/>
+              </a:ext>
+            </a:extLst>
+          </p:cNvPr>
+          <p:cNvSpPr txBox="1"/>
+          <p:nvPr/>
+        </p:nvSpPr>
+        <p:spPr>
+          <a:xfrm>
+            <a:off x="3437933" y="2533205"/>
+            <a:ext cx="2169248" cy="369332"/>
+          </a:xfrm>
+          <a:prstGeom prst="rect">
+            <a:avLst/>
+          </a:prstGeom>
+          <a:noFill/>
+        </p:spPr>
+        <p:txBody>
+          <a:bodyPr wrap="none" rtlCol="0">
+            <a:spAutoFit/>
+          </a:bodyPr>
+          <a:lstStyle/>
+          <a:p>
+            <a:r>
+              <a:rPr lang="en-US" dirty="0"/>
+              <a:t>Phylogenetic analysis</a:t>
+            </a:r>
+          </a:p>
+        </p:txBody>
+      </p:sp>
+      <p:sp>
+        <p:nvSpPr>
+          <p:cNvPr id="13" name="TextBox 12">
+            <a:extLst>
+              <a:ext uri="{FF2B5EF4-FFF2-40B4-BE49-F238E27FC236}">
+                <a16:creationId xmlns:a16="http://schemas.microsoft.com/office/drawing/2014/main" id="{E24D3D99-070E-8D45-96EE-012AEF38A17E}"/>
+              </a:ext>
+            </a:extLst>
+          </p:cNvPr>
+          <p:cNvSpPr txBox="1"/>
+          <p:nvPr/>
+        </p:nvSpPr>
+        <p:spPr>
+          <a:xfrm>
+            <a:off x="3437933" y="2900648"/>
+            <a:ext cx="2925288" cy="369332"/>
+          </a:xfrm>
+          <a:prstGeom prst="rect">
+            <a:avLst/>
+          </a:prstGeom>
+          <a:noFill/>
+        </p:spPr>
+        <p:txBody>
+          <a:bodyPr wrap="none" rtlCol="0">
+            <a:spAutoFit/>
+          </a:bodyPr>
+          <a:lstStyle/>
+          <a:p>
+            <a:r>
+              <a:rPr lang="en-US" dirty="0"/>
+              <a:t>Multiple sequence alignment</a:t>
+            </a:r>
+          </a:p>
+        </p:txBody>
+      </p:sp>
+      <p:sp>
+        <p:nvSpPr>
+          <p:cNvPr id="14" name="TextBox 13">
+            <a:extLst>
+              <a:ext uri="{FF2B5EF4-FFF2-40B4-BE49-F238E27FC236}">
+                <a16:creationId xmlns:a16="http://schemas.microsoft.com/office/drawing/2014/main" id="{C8924F87-FF48-BA40-A00E-FCF744728EF9}"/>
+              </a:ext>
+            </a:extLst>
+          </p:cNvPr>
+          <p:cNvSpPr txBox="1"/>
+          <p:nvPr/>
+        </p:nvSpPr>
+        <p:spPr>
+          <a:xfrm>
+            <a:off x="3437933" y="3228570"/>
+            <a:ext cx="1519968" cy="369332"/>
+          </a:xfrm>
+          <a:prstGeom prst="rect">
+            <a:avLst/>
+          </a:prstGeom>
+          <a:noFill/>
+        </p:spPr>
+        <p:txBody>
+          <a:bodyPr wrap="none" rtlCol="0">
+            <a:spAutoFit/>
+          </a:bodyPr>
+          <a:lstStyle/>
+          <a:p>
+            <a:r>
+              <a:rPr lang="en-US" dirty="0"/>
+              <a:t>Sequence edit</a:t>
+            </a:r>
+          </a:p>
+        </p:txBody>
+      </p:sp>
+      <p:sp>
+        <p:nvSpPr>
+          <p:cNvPr id="15" name="TextBox 14">
+            <a:extLst>
+              <a:ext uri="{FF2B5EF4-FFF2-40B4-BE49-F238E27FC236}">
+                <a16:creationId xmlns:a16="http://schemas.microsoft.com/office/drawing/2014/main" id="{4D2CB624-85F1-D14A-B9CD-78FA3990373D}"/>
+              </a:ext>
+            </a:extLst>
+          </p:cNvPr>
+          <p:cNvSpPr txBox="1"/>
+          <p:nvPr/>
+        </p:nvSpPr>
+        <p:spPr>
+          <a:xfrm>
+            <a:off x="3437933" y="3528004"/>
+            <a:ext cx="2007281" cy="369332"/>
+          </a:xfrm>
+          <a:prstGeom prst="rect">
+            <a:avLst/>
+          </a:prstGeom>
+          <a:noFill/>
+        </p:spPr>
+        <p:txBody>
+          <a:bodyPr wrap="none" rtlCol="0">
+            <a:spAutoFit/>
+          </a:bodyPr>
+          <a:lstStyle/>
+          <a:p>
+            <a:r>
+              <a:rPr lang="en-US" dirty="0"/>
+              <a:t>Chimeric HA design</a:t>
+            </a:r>
+          </a:p>
+        </p:txBody>
+      </p:sp>
+      <p:sp>
+        <p:nvSpPr>
+          <p:cNvPr id="16" name="TextBox 15">
+            <a:extLst>
+              <a:ext uri="{FF2B5EF4-FFF2-40B4-BE49-F238E27FC236}">
+                <a16:creationId xmlns:a16="http://schemas.microsoft.com/office/drawing/2014/main" id="{51FB1A4A-EDAC-7C44-8BB6-1F58E913291F}"/>
+              </a:ext>
+            </a:extLst>
+          </p:cNvPr>
+          <p:cNvSpPr txBox="1"/>
+          <p:nvPr/>
+        </p:nvSpPr>
+        <p:spPr>
+          <a:xfrm>
+            <a:off x="3437933" y="3819935"/>
+            <a:ext cx="2318905" cy="369332"/>
+          </a:xfrm>
+          <a:prstGeom prst="rect">
+            <a:avLst/>
+          </a:prstGeom>
+          <a:noFill/>
+        </p:spPr>
+        <p:txBody>
+          <a:bodyPr wrap="none" rtlCol="0">
+            <a:spAutoFit/>
+          </a:bodyPr>
+          <a:lstStyle/>
+          <a:p>
+            <a:r>
+              <a:rPr lang="en-US" dirty="0"/>
+              <a:t>Structure visualization</a:t>
+            </a:r>
+          </a:p>
+        </p:txBody>
+      </p:sp>
+      <p:sp>
+        <p:nvSpPr>
+          <p:cNvPr id="17" name="TextBox 16">
+            <a:extLst>
+              <a:ext uri="{FF2B5EF4-FFF2-40B4-BE49-F238E27FC236}">
+                <a16:creationId xmlns:a16="http://schemas.microsoft.com/office/drawing/2014/main" id="{348C2074-3918-5B49-AA0F-F6F33AA1461A}"/>
+              </a:ext>
+            </a:extLst>
+          </p:cNvPr>
+          <p:cNvSpPr txBox="1"/>
+          <p:nvPr/>
+        </p:nvSpPr>
+        <p:spPr>
+          <a:xfrm>
+            <a:off x="3437933" y="4153471"/>
+            <a:ext cx="3094117" cy="369332"/>
+          </a:xfrm>
+          <a:prstGeom prst="rect">
+            <a:avLst/>
+          </a:prstGeom>
+          <a:noFill/>
+        </p:spPr>
+        <p:txBody>
+          <a:bodyPr wrap="none" rtlCol="0">
+            <a:spAutoFit/>
+          </a:bodyPr>
+          <a:lstStyle/>
+          <a:p>
+            <a:r>
+              <a:rPr lang="en-US" dirty="0"/>
+              <a:t>Gibson Clone fragments design</a:t>
+            </a:r>
+          </a:p>
+        </p:txBody>
+      </p:sp>
+      <p:cxnSp>
+        <p:nvCxnSpPr>
+          <p:cNvPr id="19" name="Elbow Connector 18">
+            <a:extLst>
+              <a:ext uri="{FF2B5EF4-FFF2-40B4-BE49-F238E27FC236}">
+                <a16:creationId xmlns:a16="http://schemas.microsoft.com/office/drawing/2014/main" id="{E93CEBEE-C288-CA4E-B054-B1661F6B382F}"/>
+              </a:ext>
+            </a:extLst>
+          </p:cNvPr>
+          <p:cNvCxnSpPr>
+            <a:stCxn id="8" idx="2"/>
+            <a:endCxn id="5" idx="0"/>
+          </p:cNvCxnSpPr>
+          <p:nvPr/>
+        </p:nvCxnSpPr>
+        <p:spPr>
+          <a:xfrm rot="10800000" flipV="1">
+            <a:off x="2929235" y="781550"/>
+            <a:ext cx="960119" cy="593201"/>
+          </a:xfrm>
+          <a:prstGeom prst="bentConnector2">
+            <a:avLst/>
+          </a:prstGeom>
+          <a:ln>
+            <a:tailEnd type="triangle"/>
+          </a:ln>
+        </p:spPr>
+        <p:style>
+          <a:lnRef idx="1">
+            <a:schemeClr val="accent1"/>
+          </a:lnRef>
+          <a:fillRef idx="0">
+            <a:schemeClr val="accent1"/>
+          </a:fillRef>
+          <a:effectRef idx="0">
+            <a:schemeClr val="accent1"/>
+          </a:effectRef>
+          <a:fontRef idx="minor">
+            <a:schemeClr val="tx1"/>
+          </a:fontRef>
+        </p:style>
+      </p:cxnSp>
+      <p:cxnSp>
+        <p:nvCxnSpPr>
+          <p:cNvPr id="21" name="Elbow Connector 20">
+            <a:extLst>
+              <a:ext uri="{FF2B5EF4-FFF2-40B4-BE49-F238E27FC236}">
+                <a16:creationId xmlns:a16="http://schemas.microsoft.com/office/drawing/2014/main" id="{811965D4-6272-7540-AE32-26FD2DC00A39}"/>
+              </a:ext>
+            </a:extLst>
+          </p:cNvPr>
+          <p:cNvCxnSpPr>
+            <a:stCxn id="9" idx="2"/>
+            <a:endCxn id="5" idx="2"/>
+          </p:cNvCxnSpPr>
+          <p:nvPr/>
+        </p:nvCxnSpPr>
+        <p:spPr>
+          <a:xfrm rot="10800000">
+            <a:off x="2929235" y="4698123"/>
+            <a:ext cx="960119" cy="590894"/>
+          </a:xfrm>
+          <a:prstGeom prst="bentConnector2">
+            <a:avLst/>
+          </a:prstGeom>
+          <a:ln>
+            <a:tailEnd type="triangle"/>
+          </a:ln>
+        </p:spPr>
+        <p:style>
+          <a:lnRef idx="1">
+            <a:schemeClr val="accent1"/>
+          </a:lnRef>
+          <a:fillRef idx="0">
+            <a:schemeClr val="accent1"/>
+          </a:fillRef>
+          <a:effectRef idx="0">
+            <a:schemeClr val="accent1"/>
+          </a:effectRef>
+          <a:fontRef idx="minor">
+            <a:schemeClr val="tx1"/>
+          </a:fontRef>
+        </p:style>
+      </p:cxnSp>
+      <p:cxnSp>
+        <p:nvCxnSpPr>
+          <p:cNvPr id="23" name="Elbow Connector 22">
+            <a:extLst>
+              <a:ext uri="{FF2B5EF4-FFF2-40B4-BE49-F238E27FC236}">
+                <a16:creationId xmlns:a16="http://schemas.microsoft.com/office/drawing/2014/main" id="{6334B712-911B-F840-93D6-0A8BBBDF46C5}"/>
+              </a:ext>
+            </a:extLst>
+          </p:cNvPr>
+          <p:cNvCxnSpPr>
+            <a:endCxn id="8" idx="4"/>
+          </p:cNvCxnSpPr>
+          <p:nvPr/>
+        </p:nvCxnSpPr>
+        <p:spPr>
+          <a:xfrm rot="16200000" flipV="1">
+            <a:off x="5807884" y="929352"/>
+            <a:ext cx="747024" cy="451421"/>
+          </a:xfrm>
+          <a:prstGeom prst="bentConnector2">
+            <a:avLst/>
+          </a:prstGeom>
+          <a:ln>
+            <a:tailEnd type="triangle"/>
+          </a:ln>
+        </p:spPr>
+        <p:style>
+          <a:lnRef idx="1">
+            <a:schemeClr val="accent1"/>
+          </a:lnRef>
+          <a:fillRef idx="0">
+            <a:schemeClr val="accent1"/>
+          </a:fillRef>
+          <a:effectRef idx="0">
+            <a:schemeClr val="accent1"/>
+          </a:effectRef>
+          <a:fontRef idx="minor">
+            <a:schemeClr val="tx1"/>
+          </a:fontRef>
+        </p:style>
+      </p:cxnSp>
+      <p:cxnSp>
+        <p:nvCxnSpPr>
+          <p:cNvPr id="25" name="Elbow Connector 24">
+            <a:extLst>
+              <a:ext uri="{FF2B5EF4-FFF2-40B4-BE49-F238E27FC236}">
+                <a16:creationId xmlns:a16="http://schemas.microsoft.com/office/drawing/2014/main" id="{B57C1CF5-0F31-424D-8EDC-408A56139629}"/>
+              </a:ext>
+            </a:extLst>
+          </p:cNvPr>
+          <p:cNvCxnSpPr>
+            <a:endCxn id="9" idx="4"/>
+          </p:cNvCxnSpPr>
+          <p:nvPr/>
+        </p:nvCxnSpPr>
+        <p:spPr>
+          <a:xfrm rot="5400000">
+            <a:off x="5705956" y="4587867"/>
+            <a:ext cx="950880" cy="451421"/>
+          </a:xfrm>
+          <a:prstGeom prst="bentConnector2">
+            <a:avLst/>
+          </a:prstGeom>
+          <a:ln>
+            <a:tailEnd type="triangle"/>
+          </a:ln>
+        </p:spPr>
+        <p:style>
+          <a:lnRef idx="1">
+            <a:schemeClr val="accent1"/>
+          </a:lnRef>
+          <a:fillRef idx="0">
+            <a:schemeClr val="accent1"/>
+          </a:fillRef>
+          <a:effectRef idx="0">
+            <a:schemeClr val="accent1"/>
+          </a:effectRef>
+          <a:fontRef idx="minor">
+            <a:schemeClr val="tx1"/>
+          </a:fontRef>
+        </p:style>
+      </p:cxnSp>
+    </p:spTree>
+    <p:extLst>
+      <p:ext uri="{BB962C8B-B14F-4D97-AF65-F5344CB8AC3E}">
+        <p14:creationId xmlns:p14="http://schemas.microsoft.com/office/powerpoint/2010/main" val="560802834"/>
+      </p:ext>
+    </p:extLst>
+  </p:cSld>
+  <p:clrMapOvr>
+    <a:masterClrMapping/>
+  </p:clrMapOvr>
+</p:sld>
+</file>
+
 <file path=ppt/slides/slide2.xml><?xml version="1.0" encoding="utf-8"?>
 <p:sld xmlns:a="http://schemas.openxmlformats.org/drawingml/2006/main" xmlns:r="http://schemas.openxmlformats.org/officeDocument/2006/relationships" xmlns:p="http://schemas.openxmlformats.org/presentationml/2006/main">
   <p:cSld>
